--- a/Analise de Vendas Imobiliario.pptx
+++ b/Analise de Vendas Imobiliario.pptx
@@ -5,13 +5,14 @@
     <p:sldMasterId id="2147483660" r:id="rId1"/>
   </p:sldMasterIdLst>
   <p:notesMasterIdLst>
-    <p:notesMasterId r:id="rId6"/>
+    <p:notesMasterId r:id="rId7"/>
   </p:notesMasterIdLst>
   <p:sldIdLst>
-    <p:sldId id="257" r:id="rId2"/>
-    <p:sldId id="258" r:id="rId3"/>
-    <p:sldId id="259" r:id="rId4"/>
-    <p:sldId id="260" r:id="rId5"/>
+    <p:sldId id="256" r:id="rId2"/>
+    <p:sldId id="257" r:id="rId3"/>
+    <p:sldId id="258" r:id="rId4"/>
+    <p:sldId id="259" r:id="rId5"/>
+    <p:sldId id="260" r:id="rId6"/>
   </p:sldIdLst>
   <p:sldSz cx="12192000" cy="6858000"/>
   <p:notesSz cx="6858000" cy="9144000"/>
@@ -143,7 +144,7 @@
     </p:spTree>
     <p:extLst>
       <p:ext uri="{BB962C8B-B14F-4D97-AF65-F5344CB8AC3E}">
-        <p14:creationId xmlns:p14="http://schemas.microsoft.com/office/powerpoint/2010/main" val="3048819266"/>
+        <p14:creationId xmlns:p14="http://schemas.microsoft.com/office/powerpoint/2010/main" val="2467880140"/>
       </p:ext>
     </p:extLst>
   </p:cSld>
@@ -375,6 +376,89 @@
 </p:notes>
 </file>
 
+<file path=ppt/notesSlides/notesSlide4.xml><?xml version="1.0" encoding="utf-8"?>
+<p:notes xmlns:a="http://schemas.openxmlformats.org/drawingml/2006/main" xmlns:r="http://schemas.openxmlformats.org/officeDocument/2006/relationships" xmlns:p="http://schemas.openxmlformats.org/presentationml/2006/main">
+  <p:cSld>
+    <p:spTree>
+      <p:nvGrpSpPr>
+        <p:cNvPr id="1" name=""/>
+        <p:cNvGrpSpPr/>
+        <p:nvPr/>
+      </p:nvGrpSpPr>
+      <p:grpSpPr>
+        <a:xfrm>
+          <a:off x="0" y="0"/>
+          <a:ext cx="0" cy="0"/>
+          <a:chOff x="0" y="0"/>
+          <a:chExt cx="0" cy="0"/>
+        </a:xfrm>
+      </p:grpSpPr>
+      <p:sp>
+        <p:nvSpPr>
+          <p:cNvPr id="2" name="Espaço Reservado para Imagem de Slide 1"/>
+          <p:cNvSpPr>
+            <a:spLocks noGrp="1" noRot="1" noChangeAspect="1"/>
+          </p:cNvSpPr>
+          <p:nvPr>
+            <p:ph type="sldImg"/>
+          </p:nvPr>
+        </p:nvSpPr>
+        <p:spPr>
+          <a:xfrm>
+            <a:off x="685800" y="1143000"/>
+            <a:ext cx="5486400" cy="3086100"/>
+          </a:xfrm>
+          <a:prstGeom prst="rect">
+            <a:avLst/>
+          </a:prstGeom>
+          <a:noFill/>
+          <a:ln w="12700">
+            <a:solidFill>
+              <a:prstClr val="black"/>
+            </a:solidFill>
+          </a:ln>
+        </p:spPr>
+      </p:sp>
+      <p:sp>
+        <p:nvSpPr>
+          <p:cNvPr id="3" name="Espaço Reservado para Anotações 2"/>
+          <p:cNvSpPr>
+            <a:spLocks noGrp="1"/>
+          </p:cNvSpPr>
+          <p:nvPr>
+            <p:ph type="body" idx="1"/>
+          </p:nvPr>
+        </p:nvSpPr>
+        <p:spPr>
+          <a:xfrm>
+            <a:off x="685800" y="4400550"/>
+            <a:ext cx="5486400" cy="3600450"/>
+          </a:xfrm>
+          <a:prstGeom prst="rect">
+            <a:avLst/>
+          </a:prstGeom>
+        </p:spPr>
+        <p:txBody>
+          <a:bodyPr/>
+          <a:lstStyle/>
+          <a:p>
+            <a:endParaRPr lang="pt-BR" dirty="0"/>
+          </a:p>
+        </p:txBody>
+      </p:sp>
+    </p:spTree>
+    <p:extLst>
+      <p:ext uri="{BB962C8B-B14F-4D97-AF65-F5344CB8AC3E}">
+        <p14:creationId xmlns:p14="http://schemas.microsoft.com/office/powerpoint/2010/main" val="1401792592"/>
+      </p:ext>
+    </p:extLst>
+  </p:cSld>
+  <p:clrMapOvr>
+    <a:masterClrMapping/>
+  </p:clrMapOvr>
+</p:notes>
+</file>
+
 <file path=ppt/slideLayouts/slideLayout1.xml><?xml version="1.0" encoding="utf-8"?>
 <p:sldLayout xmlns:a="http://schemas.openxmlformats.org/drawingml/2006/main" xmlns:r="http://schemas.openxmlformats.org/officeDocument/2006/relationships" xmlns:p="http://schemas.openxmlformats.org/presentationml/2006/main" type="title" preserve="1">
   <p:cSld name="Title Slide">
@@ -504,7 +588,7 @@
           <a:p>
             <a:fld id="{627ED9C8-F09A-4D9E-BEC0-4725162E21FF}" type="datetimeFigureOut">
               <a:rPr lang="en-US" smtClean="0"/>
-              <a:t>3/22/2025</a:t>
+              <a:t>3/24/2025</a:t>
             </a:fld>
             <a:endParaRPr lang="en-US"/>
           </a:p>
@@ -672,7 +756,7 @@
           <a:p>
             <a:fld id="{627ED9C8-F09A-4D9E-BEC0-4725162E21FF}" type="datetimeFigureOut">
               <a:rPr lang="en-US" smtClean="0"/>
-              <a:t>3/22/2025</a:t>
+              <a:t>3/24/2025</a:t>
             </a:fld>
             <a:endParaRPr lang="en-US"/>
           </a:p>
@@ -850,7 +934,7 @@
           <a:p>
             <a:fld id="{627ED9C8-F09A-4D9E-BEC0-4725162E21FF}" type="datetimeFigureOut">
               <a:rPr lang="en-US" smtClean="0"/>
-              <a:t>3/22/2025</a:t>
+              <a:t>3/24/2025</a:t>
             </a:fld>
             <a:endParaRPr lang="en-US"/>
           </a:p>
@@ -1018,7 +1102,7 @@
           <a:p>
             <a:fld id="{627ED9C8-F09A-4D9E-BEC0-4725162E21FF}" type="datetimeFigureOut">
               <a:rPr lang="en-US" smtClean="0"/>
-              <a:t>3/22/2025</a:t>
+              <a:t>3/24/2025</a:t>
             </a:fld>
             <a:endParaRPr lang="en-US"/>
           </a:p>
@@ -1263,7 +1347,7 @@
           <a:p>
             <a:fld id="{627ED9C8-F09A-4D9E-BEC0-4725162E21FF}" type="datetimeFigureOut">
               <a:rPr lang="en-US" smtClean="0"/>
-              <a:t>3/22/2025</a:t>
+              <a:t>3/24/2025</a:t>
             </a:fld>
             <a:endParaRPr lang="en-US"/>
           </a:p>
@@ -1492,7 +1576,7 @@
           <a:p>
             <a:fld id="{627ED9C8-F09A-4D9E-BEC0-4725162E21FF}" type="datetimeFigureOut">
               <a:rPr lang="en-US" smtClean="0"/>
-              <a:t>3/22/2025</a:t>
+              <a:t>3/24/2025</a:t>
             </a:fld>
             <a:endParaRPr lang="en-US"/>
           </a:p>
@@ -1856,7 +1940,7 @@
           <a:p>
             <a:fld id="{627ED9C8-F09A-4D9E-BEC0-4725162E21FF}" type="datetimeFigureOut">
               <a:rPr lang="en-US" smtClean="0"/>
-              <a:t>3/22/2025</a:t>
+              <a:t>3/24/2025</a:t>
             </a:fld>
             <a:endParaRPr lang="en-US"/>
           </a:p>
@@ -1973,7 +2057,7 @@
           <a:p>
             <a:fld id="{627ED9C8-F09A-4D9E-BEC0-4725162E21FF}" type="datetimeFigureOut">
               <a:rPr lang="en-US" smtClean="0"/>
-              <a:t>3/22/2025</a:t>
+              <a:t>3/24/2025</a:t>
             </a:fld>
             <a:endParaRPr lang="en-US"/>
           </a:p>
@@ -2068,7 +2152,7 @@
           <a:p>
             <a:fld id="{627ED9C8-F09A-4D9E-BEC0-4725162E21FF}" type="datetimeFigureOut">
               <a:rPr lang="en-US" smtClean="0"/>
-              <a:t>3/22/2025</a:t>
+              <a:t>3/24/2025</a:t>
             </a:fld>
             <a:endParaRPr lang="en-US"/>
           </a:p>
@@ -2343,7 +2427,7 @@
           <a:p>
             <a:fld id="{627ED9C8-F09A-4D9E-BEC0-4725162E21FF}" type="datetimeFigureOut">
               <a:rPr lang="en-US" smtClean="0"/>
-              <a:t>3/22/2025</a:t>
+              <a:t>3/24/2025</a:t>
             </a:fld>
             <a:endParaRPr lang="en-US"/>
           </a:p>
@@ -2595,7 +2679,7 @@
           <a:p>
             <a:fld id="{627ED9C8-F09A-4D9E-BEC0-4725162E21FF}" type="datetimeFigureOut">
               <a:rPr lang="en-US" smtClean="0"/>
-              <a:t>3/22/2025</a:t>
+              <a:t>3/24/2025</a:t>
             </a:fld>
             <a:endParaRPr lang="en-US"/>
           </a:p>
@@ -2806,7 +2890,7 @@
           <a:p>
             <a:fld id="{627ED9C8-F09A-4D9E-BEC0-4725162E21FF}" type="datetimeFigureOut">
               <a:rPr lang="en-US" smtClean="0"/>
-              <a:t>3/22/2025</a:t>
+              <a:t>3/24/2025</a:t>
             </a:fld>
             <a:endParaRPr lang="en-US"/>
           </a:p>
@@ -3197,6 +3281,583 @@
 <file path=ppt/slides/slide1.xml><?xml version="1.0" encoding="utf-8"?>
 <p:sld xmlns:a="http://schemas.openxmlformats.org/drawingml/2006/main" xmlns:r="http://schemas.openxmlformats.org/officeDocument/2006/relationships" xmlns:p="http://schemas.openxmlformats.org/presentationml/2006/main">
   <p:cSld>
+    <p:bg>
+      <p:bgPr>
+        <a:solidFill>
+          <a:schemeClr val="tx1"/>
+        </a:solidFill>
+        <a:effectLst/>
+      </p:bgPr>
+    </p:bg>
+    <p:spTree>
+      <p:nvGrpSpPr>
+        <p:cNvPr id="1" name=""/>
+        <p:cNvGrpSpPr/>
+        <p:nvPr/>
+      </p:nvGrpSpPr>
+      <p:grpSpPr>
+        <a:xfrm>
+          <a:off x="0" y="0"/>
+          <a:ext cx="0" cy="0"/>
+          <a:chOff x="0" y="0"/>
+          <a:chExt cx="0" cy="0"/>
+        </a:xfrm>
+      </p:grpSpPr>
+      <p:pic>
+        <p:nvPicPr>
+          <p:cNvPr id="9" name="Picture 8">
+            <a:extLst>
+              <a:ext uri="{C183D7F6-B498-43B3-948B-1728B52AA6E4}">
+                <adec:decorative xmlns:adec="http://schemas.microsoft.com/office/drawing/2017/decorative" val="1"/>
+              </a:ext>
+            </a:extLst>
+          </p:cNvPr>
+          <p:cNvPicPr>
+            <a:picLocks noChangeAspect="1"/>
+          </p:cNvPicPr>
+          <p:nvPr/>
+        </p:nvPicPr>
+        <p:blipFill>
+          <a:blip r:embed="rId2">
+            <a:extLst>
+              <a:ext uri="{28A0092B-C50C-407E-A947-70E740481C1C}">
+                <a14:useLocalDpi xmlns:a14="http://schemas.microsoft.com/office/drawing/2010/main" val="0"/>
+              </a:ext>
+            </a:extLst>
+          </a:blip>
+          <a:stretch>
+            <a:fillRect/>
+          </a:stretch>
+        </p:blipFill>
+        <p:spPr>
+          <a:xfrm>
+            <a:off x="0" y="0"/>
+            <a:ext cx="12192000" cy="6858000"/>
+          </a:xfrm>
+          <a:prstGeom prst="rect">
+            <a:avLst/>
+          </a:prstGeom>
+        </p:spPr>
+      </p:pic>
+      <p:sp>
+        <p:nvSpPr>
+          <p:cNvPr id="12" name="Title 1"/>
+          <p:cNvSpPr txBox="1">
+            <a:spLocks noGrp="1"/>
+          </p:cNvSpPr>
+          <p:nvPr>
+            <p:ph type="title" idx="4294967295"/>
+          </p:nvPr>
+        </p:nvSpPr>
+        <p:spPr>
+          <a:xfrm>
+            <a:off x="810584" y="2982149"/>
+            <a:ext cx="6314017" cy="600075"/>
+          </a:xfrm>
+          <a:prstGeom prst="rect">
+            <a:avLst/>
+          </a:prstGeom>
+          <a:noFill/>
+          <a:ln>
+            <a:noFill/>
+            <a:prstDash/>
+          </a:ln>
+          <a:effectLst/>
+        </p:spPr>
+        <p:txBody>
+          <a:bodyPr rot="0" spcFirstLastPara="0" vertOverflow="overflow" horzOverflow="overflow" vert="horz" wrap="square" lIns="91440" tIns="45720" rIns="91440" bIns="45720" numCol="1" spcCol="0" rtlCol="0" fromWordArt="0" anchor="b" anchorCtr="0" forceAA="0" compatLnSpc="1">
+            <a:prstTxWarp prst="textNoShape">
+              <a:avLst/>
+            </a:prstTxWarp>
+            <a:normAutofit fontScale="90000"/>
+          </a:bodyPr>
+          <a:lstStyle>
+            <a:lvl1pPr algn="ctr" defTabSz="914400" rtl="0" eaLnBrk="1" latinLnBrk="0" hangingPunct="1">
+              <a:lnSpc>
+                <a:spcPct val="90000"/>
+              </a:lnSpc>
+              <a:spcBef>
+                <a:spcPct val="0"/>
+              </a:spcBef>
+              <a:buNone/>
+              <a:defRPr sz="4400" b="0" i="0" kern="1200" baseline="0">
+                <a:solidFill>
+                  <a:schemeClr val="tx1"/>
+                </a:solidFill>
+                <a:latin typeface="Segoe UI Light" charset="0"/>
+                <a:ea typeface="Segoe UI Light" charset="0"/>
+                <a:cs typeface="Segoe UI Light" charset="0"/>
+              </a:defRPr>
+            </a:lvl1pPr>
+          </a:lstStyle>
+          <a:p>
+            <a:pPr marL="0" marR="0" lvl="0" indent="0" algn="l" defTabSz="914400" rtl="0" eaLnBrk="1" fontAlgn="auto" latinLnBrk="0" hangingPunct="1">
+              <a:lnSpc>
+                <a:spcPct val="90000"/>
+              </a:lnSpc>
+              <a:spcBef>
+                <a:spcPct val="0"/>
+              </a:spcBef>
+              <a:spcAft>
+                <a:spcPts val="0"/>
+              </a:spcAft>
+              <a:buClrTx/>
+              <a:buSzTx/>
+              <a:buFontTx/>
+              <a:buNone/>
+              <a:tabLst/>
+              <a:defRPr/>
+            </a:pPr>
+            <a:r>
+              <a:rPr kumimoji="0" lang="en-US" sz="4400" b="0" i="0" u="none" strike="noStrike" kern="1200" cap="none" spc="0" normalizeH="0" baseline="0" noProof="0">
+                <a:ln>
+                  <a:noFill/>
+                </a:ln>
+                <a:solidFill>
+                  <a:srgbClr val="F3C910"/>
+                </a:solidFill>
+                <a:effectLst/>
+                <a:uLnTx/>
+                <a:uFillTx/>
+                <a:latin typeface="Segoe UI Light" charset="0"/>
+                <a:ea typeface="Segoe UI Light" charset="0"/>
+                <a:cs typeface="Segoe UI Light" charset="0"/>
+              </a:rPr>
+              <a:t>Analise de Vendas Imobiliario</a:t>
+            </a:r>
+            <a:endParaRPr kumimoji="0" lang="en-US" sz="4400" b="0" i="0" u="none" strike="noStrike" kern="1200" cap="none" spc="0" normalizeH="0" baseline="0" noProof="0" dirty="0">
+              <a:ln>
+                <a:noFill/>
+              </a:ln>
+              <a:solidFill>
+                <a:srgbClr val="F3C910"/>
+              </a:solidFill>
+              <a:effectLst/>
+              <a:uLnTx/>
+              <a:uFillTx/>
+              <a:latin typeface="Segoe UI Light" charset="0"/>
+              <a:ea typeface="Segoe UI Light" charset="0"/>
+              <a:cs typeface="Segoe UI Light" charset="0"/>
+            </a:endParaRPr>
+          </a:p>
+        </p:txBody>
+      </p:sp>
+      <p:sp>
+        <p:nvSpPr>
+          <p:cNvPr id="13" name="Text Placeholder 2"/>
+          <p:cNvSpPr txBox="1">
+            <a:spLocks/>
+          </p:cNvSpPr>
+          <p:nvPr/>
+        </p:nvSpPr>
+        <p:spPr>
+          <a:xfrm>
+            <a:off x="853448" y="3658761"/>
+            <a:ext cx="1488017" cy="253470"/>
+          </a:xfrm>
+          <a:prstGeom prst="rect">
+            <a:avLst/>
+          </a:prstGeom>
+        </p:spPr>
+        <p:txBody>
+          <a:bodyPr vert="horz" lIns="91440" tIns="45720" rIns="91440" bIns="45720" rtlCol="0">
+            <a:normAutofit lnSpcReduction="10000"/>
+          </a:bodyPr>
+          <a:lstStyle>
+            <a:lvl1pPr marL="0" indent="0" algn="ctr" defTabSz="914400" rtl="0" eaLnBrk="1" latinLnBrk="0" hangingPunct="1">
+              <a:lnSpc>
+                <a:spcPct val="90000"/>
+              </a:lnSpc>
+              <a:spcBef>
+                <a:spcPts val="1000"/>
+              </a:spcBef>
+              <a:buFont typeface="Arial"/>
+              <a:buNone/>
+              <a:defRPr sz="1200" b="0" i="0" u="sng" kern="1200">
+                <a:solidFill>
+                  <a:schemeClr val="tx1"/>
+                </a:solidFill>
+                <a:latin typeface="Segoe UI" charset="0"/>
+                <a:ea typeface="Segoe UI" charset="0"/>
+                <a:cs typeface="Segoe UI" charset="0"/>
+              </a:defRPr>
+            </a:lvl1pPr>
+            <a:lvl2pPr marL="457200" indent="0" algn="ctr" defTabSz="914400" rtl="0" eaLnBrk="1" latinLnBrk="0" hangingPunct="1">
+              <a:lnSpc>
+                <a:spcPct val="90000"/>
+              </a:lnSpc>
+              <a:spcBef>
+                <a:spcPts val="500"/>
+              </a:spcBef>
+              <a:buFont typeface="Arial"/>
+              <a:buNone/>
+              <a:defRPr sz="2000" kern="1200">
+                <a:solidFill>
+                  <a:schemeClr val="tx1">
+                    <a:tint val="75000"/>
+                  </a:schemeClr>
+                </a:solidFill>
+                <a:latin typeface="+mn-lt"/>
+                <a:ea typeface="+mn-ea"/>
+                <a:cs typeface="+mn-cs"/>
+              </a:defRPr>
+            </a:lvl2pPr>
+            <a:lvl3pPr marL="914400" indent="0" algn="ctr" defTabSz="914400" rtl="0" eaLnBrk="1" latinLnBrk="0" hangingPunct="1">
+              <a:lnSpc>
+                <a:spcPct val="90000"/>
+              </a:lnSpc>
+              <a:spcBef>
+                <a:spcPts val="500"/>
+              </a:spcBef>
+              <a:buFont typeface="Arial"/>
+              <a:buNone/>
+              <a:defRPr sz="1800" kern="1200">
+                <a:solidFill>
+                  <a:schemeClr val="tx1">
+                    <a:tint val="75000"/>
+                  </a:schemeClr>
+                </a:solidFill>
+                <a:latin typeface="+mn-lt"/>
+                <a:ea typeface="+mn-ea"/>
+                <a:cs typeface="+mn-cs"/>
+              </a:defRPr>
+            </a:lvl3pPr>
+            <a:lvl4pPr marL="1371600" indent="0" algn="ctr" defTabSz="914400" rtl="0" eaLnBrk="1" latinLnBrk="0" hangingPunct="1">
+              <a:lnSpc>
+                <a:spcPct val="90000"/>
+              </a:lnSpc>
+              <a:spcBef>
+                <a:spcPts val="500"/>
+              </a:spcBef>
+              <a:buFont typeface="Arial"/>
+              <a:buNone/>
+              <a:defRPr sz="1600" kern="1200">
+                <a:solidFill>
+                  <a:schemeClr val="tx1">
+                    <a:tint val="75000"/>
+                  </a:schemeClr>
+                </a:solidFill>
+                <a:latin typeface="+mn-lt"/>
+                <a:ea typeface="+mn-ea"/>
+                <a:cs typeface="+mn-cs"/>
+              </a:defRPr>
+            </a:lvl4pPr>
+            <a:lvl5pPr marL="1828800" indent="0" algn="ctr" defTabSz="914400" rtl="0" eaLnBrk="1" latinLnBrk="0" hangingPunct="1">
+              <a:lnSpc>
+                <a:spcPct val="90000"/>
+              </a:lnSpc>
+              <a:spcBef>
+                <a:spcPts val="500"/>
+              </a:spcBef>
+              <a:buFont typeface="Arial"/>
+              <a:buNone/>
+              <a:defRPr sz="1600" kern="1200">
+                <a:solidFill>
+                  <a:schemeClr val="tx1">
+                    <a:tint val="75000"/>
+                  </a:schemeClr>
+                </a:solidFill>
+                <a:latin typeface="+mn-lt"/>
+                <a:ea typeface="+mn-ea"/>
+                <a:cs typeface="+mn-cs"/>
+              </a:defRPr>
+            </a:lvl5pPr>
+            <a:lvl6pPr marL="2286000" indent="0" algn="ctr" defTabSz="914400" rtl="0" eaLnBrk="1" latinLnBrk="0" hangingPunct="1">
+              <a:lnSpc>
+                <a:spcPct val="90000"/>
+              </a:lnSpc>
+              <a:spcBef>
+                <a:spcPts val="500"/>
+              </a:spcBef>
+              <a:buFont typeface="Arial"/>
+              <a:buNone/>
+              <a:defRPr sz="1600" kern="1200">
+                <a:solidFill>
+                  <a:schemeClr val="tx1">
+                    <a:tint val="75000"/>
+                  </a:schemeClr>
+                </a:solidFill>
+                <a:latin typeface="+mn-lt"/>
+                <a:ea typeface="+mn-ea"/>
+                <a:cs typeface="+mn-cs"/>
+              </a:defRPr>
+            </a:lvl6pPr>
+            <a:lvl7pPr marL="2743200" indent="0" algn="ctr" defTabSz="914400" rtl="0" eaLnBrk="1" latinLnBrk="0" hangingPunct="1">
+              <a:lnSpc>
+                <a:spcPct val="90000"/>
+              </a:lnSpc>
+              <a:spcBef>
+                <a:spcPts val="500"/>
+              </a:spcBef>
+              <a:buFont typeface="Arial"/>
+              <a:buNone/>
+              <a:defRPr sz="1600" kern="1200">
+                <a:solidFill>
+                  <a:schemeClr val="tx1">
+                    <a:tint val="75000"/>
+                  </a:schemeClr>
+                </a:solidFill>
+                <a:latin typeface="+mn-lt"/>
+                <a:ea typeface="+mn-ea"/>
+                <a:cs typeface="+mn-cs"/>
+              </a:defRPr>
+            </a:lvl7pPr>
+            <a:lvl8pPr marL="3200400" indent="0" algn="ctr" defTabSz="914400" rtl="0" eaLnBrk="1" latinLnBrk="0" hangingPunct="1">
+              <a:lnSpc>
+                <a:spcPct val="90000"/>
+              </a:lnSpc>
+              <a:spcBef>
+                <a:spcPts val="500"/>
+              </a:spcBef>
+              <a:buFont typeface="Arial"/>
+              <a:buNone/>
+              <a:defRPr sz="1600" kern="1200">
+                <a:solidFill>
+                  <a:schemeClr val="tx1">
+                    <a:tint val="75000"/>
+                  </a:schemeClr>
+                </a:solidFill>
+                <a:latin typeface="+mn-lt"/>
+                <a:ea typeface="+mn-ea"/>
+                <a:cs typeface="+mn-cs"/>
+              </a:defRPr>
+            </a:lvl8pPr>
+            <a:lvl9pPr marL="3657600" indent="0" algn="ctr" defTabSz="914400" rtl="0" eaLnBrk="1" latinLnBrk="0" hangingPunct="1">
+              <a:lnSpc>
+                <a:spcPct val="90000"/>
+              </a:lnSpc>
+              <a:spcBef>
+                <a:spcPts val="500"/>
+              </a:spcBef>
+              <a:buFont typeface="Arial"/>
+              <a:buNone/>
+              <a:defRPr sz="1600" kern="1200">
+                <a:solidFill>
+                  <a:schemeClr val="tx1">
+                    <a:tint val="75000"/>
+                  </a:schemeClr>
+                </a:solidFill>
+                <a:latin typeface="+mn-lt"/>
+                <a:ea typeface="+mn-ea"/>
+                <a:cs typeface="+mn-cs"/>
+              </a:defRPr>
+            </a:lvl9pPr>
+          </a:lstStyle>
+          <a:p>
+            <a:pPr algn="l"/>
+            <a:r>
+              <a:rPr lang="en-US" dirty="0">
+                <a:solidFill>
+                  <a:schemeClr val="bg1"/>
+                </a:solidFill>
+                <a:hlinkClick r:id="rId3"/>
+              </a:rPr>
+              <a:t>View in Power BI</a:t>
+            </a:r>
+            <a:endParaRPr lang="en-US" dirty="0">
+              <a:solidFill>
+                <a:schemeClr val="bg1"/>
+              </a:solidFill>
+            </a:endParaRPr>
+          </a:p>
+        </p:txBody>
+      </p:sp>
+      <p:sp>
+        <p:nvSpPr>
+          <p:cNvPr id="17" name="TextBox 16"/>
+          <p:cNvSpPr txBox="1"/>
+          <p:nvPr/>
+        </p:nvSpPr>
+        <p:spPr>
+          <a:xfrm>
+            <a:off x="832315" y="5823544"/>
+            <a:ext cx="2177716" cy="369332"/>
+          </a:xfrm>
+          <a:prstGeom prst="rect">
+            <a:avLst/>
+          </a:prstGeom>
+          <a:noFill/>
+        </p:spPr>
+        <p:txBody>
+          <a:bodyPr wrap="square" rtlCol="0">
+            <a:spAutoFit/>
+          </a:bodyPr>
+          <a:lstStyle/>
+          <a:p>
+            <a:r>
+              <a:rPr lang="en-US" sz="900" b="1" i="0" dirty="0">
+                <a:solidFill>
+                  <a:schemeClr val="bg1"/>
+                </a:solidFill>
+                <a:latin typeface="Segoe UI Semibold" charset="0"/>
+                <a:ea typeface="Segoe UI Semibold" charset="0"/>
+                <a:cs typeface="Segoe UI Semibold" charset="0"/>
+              </a:rPr>
+              <a:t>Downloaded at:</a:t>
+            </a:r>
+          </a:p>
+          <a:p>
+            <a:r>
+              <a:rPr lang="en-US" sz="900" b="0" i="0" dirty="0">
+                <a:solidFill>
+                  <a:schemeClr val="bg1"/>
+                </a:solidFill>
+                <a:latin typeface="Segoe UI" charset="0"/>
+                <a:ea typeface="Segoe UI" charset="0"/>
+                <a:cs typeface="Segoe UI" charset="0"/>
+              </a:rPr>
+              <a:t>24/03/2025 22:07:35 UTC</a:t>
+            </a:r>
+          </a:p>
+        </p:txBody>
+      </p:sp>
+      <p:sp>
+        <p:nvSpPr>
+          <p:cNvPr id="10" name="TextBox 9"/>
+          <p:cNvSpPr txBox="1"/>
+          <p:nvPr/>
+        </p:nvSpPr>
+        <p:spPr>
+          <a:xfrm>
+            <a:off x="828512" y="5407903"/>
+            <a:ext cx="2177716" cy="369332"/>
+          </a:xfrm>
+          <a:prstGeom prst="rect">
+            <a:avLst/>
+          </a:prstGeom>
+          <a:noFill/>
+        </p:spPr>
+        <p:txBody>
+          <a:bodyPr wrap="square" rtlCol="0">
+            <a:spAutoFit/>
+          </a:bodyPr>
+          <a:lstStyle/>
+          <a:p>
+            <a:r>
+              <a:rPr lang="en-US" sz="900" b="1" dirty="0">
+                <a:solidFill>
+                  <a:schemeClr val="bg1"/>
+                </a:solidFill>
+                <a:latin typeface="Segoe UI Semibold" charset="0"/>
+                <a:ea typeface="Segoe UI Semibold" charset="0"/>
+                <a:cs typeface="Segoe UI Semibold" charset="0"/>
+              </a:rPr>
+              <a:t>Last data refresh:</a:t>
+            </a:r>
+            <a:endParaRPr lang="en-US" sz="900" b="1" i="0" dirty="0">
+              <a:solidFill>
+                <a:schemeClr val="bg1"/>
+              </a:solidFill>
+              <a:latin typeface="Segoe UI Semibold" charset="0"/>
+              <a:ea typeface="Segoe UI Semibold" charset="0"/>
+              <a:cs typeface="Segoe UI Semibold" charset="0"/>
+            </a:endParaRPr>
+          </a:p>
+          <a:p>
+            <a:r>
+              <a:rPr lang="en-US" sz="900" dirty="0">
+                <a:solidFill>
+                  <a:schemeClr val="bg1"/>
+                </a:solidFill>
+                <a:latin typeface="Segoe UI" charset="0"/>
+                <a:ea typeface="Segoe UI" charset="0"/>
+                <a:cs typeface="Segoe UI" charset="0"/>
+              </a:rPr>
+              <a:t>24/03/2025 21:58:01 UTC</a:t>
+            </a:r>
+            <a:endParaRPr lang="en-US" sz="900" b="0" i="0" dirty="0">
+              <a:solidFill>
+                <a:schemeClr val="bg1"/>
+              </a:solidFill>
+              <a:latin typeface="Segoe UI" charset="0"/>
+              <a:ea typeface="Segoe UI" charset="0"/>
+              <a:cs typeface="Segoe UI" charset="0"/>
+            </a:endParaRPr>
+          </a:p>
+        </p:txBody>
+      </p:sp>
+      <p:pic>
+        <p:nvPicPr>
+          <p:cNvPr id="16" name="Picture 15" descr="Microsoft Power BI"/>
+          <p:cNvPicPr>
+            <a:picLocks noChangeAspect="1"/>
+          </p:cNvPicPr>
+          <p:nvPr/>
+        </p:nvPicPr>
+        <p:blipFill>
+          <a:blip r:embed="rId4">
+            <a:extLst>
+              <a:ext uri="{28A0092B-C50C-407E-A947-70E740481C1C}">
+                <a14:useLocalDpi xmlns:a14="http://schemas.microsoft.com/office/drawing/2010/main" val="0"/>
+              </a:ext>
+            </a:extLst>
+          </a:blip>
+          <a:stretch>
+            <a:fillRect/>
+          </a:stretch>
+        </p:blipFill>
+        <p:spPr>
+          <a:xfrm>
+            <a:off x="923544" y="722376"/>
+            <a:ext cx="1490690" cy="245805"/>
+          </a:xfrm>
+          <a:prstGeom prst="rect">
+            <a:avLst/>
+          </a:prstGeom>
+        </p:spPr>
+      </p:pic>
+      <p:pic>
+        <p:nvPicPr>
+          <p:cNvPr id="18" name="Picture 17">
+            <a:extLst>
+              <a:ext uri="{C183D7F6-B498-43B3-948B-1728B52AA6E4}">
+                <adec:decorative xmlns:adec="http://schemas.microsoft.com/office/drawing/2017/decorative" val="1"/>
+              </a:ext>
+            </a:extLst>
+          </p:cNvPr>
+          <p:cNvPicPr>
+            <a:picLocks noChangeAspect="1"/>
+          </p:cNvPicPr>
+          <p:nvPr/>
+        </p:nvPicPr>
+        <p:blipFill>
+          <a:blip r:embed="rId5">
+            <a:extLst>
+              <a:ext uri="{28A0092B-C50C-407E-A947-70E740481C1C}">
+                <a14:useLocalDpi xmlns:a14="http://schemas.microsoft.com/office/drawing/2010/main" val="0"/>
+              </a:ext>
+            </a:extLst>
+          </a:blip>
+          <a:stretch>
+            <a:fillRect/>
+          </a:stretch>
+        </p:blipFill>
+        <p:spPr>
+          <a:xfrm>
+            <a:off x="2139696" y="3694176"/>
+            <a:ext cx="162027" cy="153025"/>
+          </a:xfrm>
+          <a:prstGeom prst="rect">
+            <a:avLst/>
+          </a:prstGeom>
+        </p:spPr>
+      </p:pic>
+    </p:spTree>
+    <p:extLst>
+      <p:ext uri="{BB962C8B-B14F-4D97-AF65-F5344CB8AC3E}">
+        <p14:creationId xmlns:p14="http://schemas.microsoft.com/office/powerpoint/2010/main" val="7630729"/>
+      </p:ext>
+    </p:extLst>
+  </p:cSld>
+  <p:clrMapOvr>
+    <a:masterClrMapping/>
+  </p:clrMapOvr>
+</p:sld>
+</file>
+
+<file path=ppt/slides/slide2.xml><?xml version="1.0" encoding="utf-8"?>
+<p:sld xmlns:a="http://schemas.openxmlformats.org/drawingml/2006/main" xmlns:r="http://schemas.openxmlformats.org/officeDocument/2006/relationships" xmlns:p="http://schemas.openxmlformats.org/presentationml/2006/main">
+  <p:cSld>
     <p:spTree>
       <p:nvGrpSpPr>
         <p:cNvPr id="1" name=""/>
@@ -3267,84 +3928,6 @@
 </p:sld>
 </file>
 
-<file path=ppt/slides/slide2.xml><?xml version="1.0" encoding="utf-8"?>
-<p:sld xmlns:a="http://schemas.openxmlformats.org/drawingml/2006/main" xmlns:r="http://schemas.openxmlformats.org/officeDocument/2006/relationships" xmlns:p="http://schemas.openxmlformats.org/presentationml/2006/main">
-  <p:cSld>
-    <p:spTree>
-      <p:nvGrpSpPr>
-        <p:cNvPr id="1" name=""/>
-        <p:cNvGrpSpPr/>
-        <p:nvPr/>
-      </p:nvGrpSpPr>
-      <p:grpSpPr>
-        <a:xfrm>
-          <a:off x="0" y="0"/>
-          <a:ext cx="0" cy="0"/>
-          <a:chOff x="0" y="0"/>
-          <a:chExt cx="0" cy="0"/>
-        </a:xfrm>
-      </p:grpSpPr>
-      <p:sp>
-        <p:nvSpPr>
-          <p:cNvPr id="4" name="Title" hidden="1"/>
-          <p:cNvSpPr>
-            <a:spLocks noGrp="1"/>
-          </p:cNvSpPr>
-          <p:nvPr>
-            <p:ph type="title"/>
-          </p:nvPr>
-        </p:nvSpPr>
-        <p:spPr/>
-        <p:txBody>
-          <a:bodyPr/>
-          <a:lstStyle/>
-          <a:p>
-            <a:r>
-              <a:t>Página 2</a:t>
-            </a:r>
-          </a:p>
-        </p:txBody>
-      </p:sp>
-      <p:pic>
-        <p:nvPicPr>
-          <p:cNvPr id="2" name="Picture" title="This slide contains the following visuals: actionButton ,actionButton ,shape ,shape ,shape ,card ,Total de vendas ,card ,textbox ,Aluguel por região ,shape ,shape ,shape ,Mais alugados por tipo ,card ,Aluguel por tipo de imovel ,textbox ,textbox ,textbox. Please refer to the notes on this slide for details">
-            <a:hlinkClick r:id="rId3"/>
-            <a:extLst>
-              <a:ext uri="{FF2B5EF4-FFF2-40B4-BE49-F238E27FC236}">
-                <a16:creationId xmlns:a16="http://schemas.microsoft.com/office/drawing/2014/main" id="{787AA82A-2F26-3B20-F20D-ED99892D2A62}"/>
-              </a:ext>
-            </a:extLst>
-          </p:cNvPr>
-          <p:cNvPicPr>
-            <a:picLocks noChangeAspect="1"/>
-          </p:cNvPicPr>
-          <p:nvPr/>
-        </p:nvPicPr>
-        <p:blipFill>
-          <a:blip r:embed="rId4"/>
-          <a:stretch>
-            <a:fillRect/>
-          </a:stretch>
-        </p:blipFill>
-        <p:spPr>
-          <a:xfrm>
-            <a:off x="76200" y="0"/>
-            <a:ext cx="12020550" cy="6858000"/>
-          </a:xfrm>
-          <a:prstGeom prst="rect">
-            <a:avLst/>
-          </a:prstGeom>
-          <a:noFill/>
-        </p:spPr>
-      </p:pic>
-    </p:spTree>
-  </p:cSld>
-  <p:clrMapOvr>
-    <a:masterClrMapping/>
-  </p:clrMapOvr>
-</p:sld>
-</file>
-
 <file path=ppt/slides/slide3.xml><?xml version="1.0" encoding="utf-8"?>
 <p:sld xmlns:a="http://schemas.openxmlformats.org/drawingml/2006/main" xmlns:r="http://schemas.openxmlformats.org/officeDocument/2006/relationships" xmlns:p="http://schemas.openxmlformats.org/presentationml/2006/main">
   <p:cSld>
@@ -3364,7 +3947,7 @@
       </p:grpSpPr>
       <p:pic>
         <p:nvPicPr>
-          <p:cNvPr id="3" name="Picture" title="This slide contains the following visuals: textbox ,shape ,Vendas por mês ,Aluguel por mês ,shape ,2025 ,2024 ,actionButton ,slicer ,2024 Clicado ,actionButton. Please refer to the notes on this slide for details">
+          <p:cNvPr id="3" name="Picture" title="This slide contains the following visuals: actionButton ,actionButton ,shape ,shape ,shape ,card ,Total de vendas ,card ,textbox ,Aluguel por região ,shape ,shape ,shape ,Mais alugados por tipo ,card ,Aluguel por tipo de imovel ,textbox ,textbox ,textbox. Please refer to the notes on this slide for details">
             <a:hlinkClick r:id="rId3"/>
           </p:cNvPr>
           <p:cNvPicPr>
@@ -3405,7 +3988,7 @@
           <a:lstStyle/>
           <a:p>
             <a:r>
-              <a:t>Página 3</a:t>
+              <a:t>Página 2</a:t>
             </a:r>
           </a:p>
         </p:txBody>
@@ -3437,11 +4020,84 @@
       </p:grpSpPr>
       <p:pic>
         <p:nvPicPr>
-          <p:cNvPr id="5" name="Picture" title="This slide contains the following visuals: textbox ,shape ,Vendas por mês ,Aluguel por mês ,shape ,2025 ,2024 ,actionButton ,slicer ,actionButton ,2025 Clicado. Please refer to the notes on this slide for details">
-            <a:hlinkClick r:id="rId2"/>
+          <p:cNvPr id="3" name="Picture" title="This slide contains the following visuals: textbox ,shape ,Vendas por mês ,Aluguel por mês ,shape ,2024 ,actionButton ,slicer ,2024 Clicado ,actionButton ,2025. Please refer to the notes on this slide for details">
+            <a:hlinkClick r:id="rId3"/>
+          </p:cNvPr>
+          <p:cNvPicPr>
+            <a:picLocks noChangeAspect="1"/>
+          </p:cNvPicPr>
+          <p:nvPr/>
+        </p:nvPicPr>
+        <p:blipFill>
+          <a:blip r:embed="rId4"/>
+          <a:stretch>
+            <a:fillRect/>
+          </a:stretch>
+        </p:blipFill>
+        <p:spPr>
+          <a:xfrm>
+            <a:off x="76200" y="0"/>
+            <a:ext cx="12020550" cy="6858000"/>
+          </a:xfrm>
+          <a:prstGeom prst="rect">
+            <a:avLst/>
+          </a:prstGeom>
+          <a:noFill/>
+        </p:spPr>
+      </p:pic>
+      <p:sp>
+        <p:nvSpPr>
+          <p:cNvPr id="4" name="Title" hidden="1"/>
+          <p:cNvSpPr>
+            <a:spLocks noGrp="1"/>
+          </p:cNvSpPr>
+          <p:nvPr>
+            <p:ph type="title"/>
+          </p:nvPr>
+        </p:nvSpPr>
+        <p:spPr/>
+        <p:txBody>
+          <a:bodyPr/>
+          <a:lstStyle/>
+          <a:p>
+            <a:r>
+              <a:t>Página 3</a:t>
+            </a:r>
+          </a:p>
+        </p:txBody>
+      </p:sp>
+    </p:spTree>
+  </p:cSld>
+  <p:clrMapOvr>
+    <a:masterClrMapping/>
+  </p:clrMapOvr>
+</p:sld>
+</file>
+
+<file path=ppt/slides/slide5.xml><?xml version="1.0" encoding="utf-8"?>
+<p:sld xmlns:a="http://schemas.openxmlformats.org/drawingml/2006/main" xmlns:r="http://schemas.openxmlformats.org/officeDocument/2006/relationships" xmlns:p="http://schemas.openxmlformats.org/presentationml/2006/main">
+  <p:cSld>
+    <p:spTree>
+      <p:nvGrpSpPr>
+        <p:cNvPr id="1" name=""/>
+        <p:cNvGrpSpPr/>
+        <p:nvPr/>
+      </p:nvGrpSpPr>
+      <p:grpSpPr>
+        <a:xfrm>
+          <a:off x="0" y="0"/>
+          <a:ext cx="0" cy="0"/>
+          <a:chOff x="0" y="0"/>
+          <a:chExt cx="0" cy="0"/>
+        </a:xfrm>
+      </p:grpSpPr>
+      <p:pic>
+        <p:nvPicPr>
+          <p:cNvPr id="2" name="Picture" title="This slide contains the following visuals: textbox ,shape ,Vendas por mês ,Aluguel por mês ,shape ,2024 ,actionButton ,slicer ,actionButton ,2025 Clicado ,actionButton. Please refer to the notes on this slide for details">
+            <a:hlinkClick r:id="rId3"/>
             <a:extLst>
               <a:ext uri="{FF2B5EF4-FFF2-40B4-BE49-F238E27FC236}">
-                <a16:creationId xmlns:a16="http://schemas.microsoft.com/office/drawing/2014/main" id="{09EDEA05-380A-02D7-E1AE-E1B6D13FBF8E}"/>
+                <a16:creationId xmlns:a16="http://schemas.microsoft.com/office/drawing/2014/main" id="{9CC1EEB3-0437-B7C2-F597-666A64DDBD0C}"/>
               </a:ext>
             </a:extLst>
           </p:cNvPr>
@@ -3451,7 +4107,7 @@
           <p:nvPr/>
         </p:nvPicPr>
         <p:blipFill>
-          <a:blip r:embed="rId3"/>
+          <a:blip r:embed="rId4"/>
           <a:stretch>
             <a:fillRect/>
           </a:stretch>
@@ -3470,7 +4126,7 @@
     </p:spTree>
     <p:extLst>
       <p:ext uri="{BB962C8B-B14F-4D97-AF65-F5344CB8AC3E}">
-        <p14:creationId xmlns:p14="http://schemas.microsoft.com/office/powerpoint/2010/main" val="1568096252"/>
+        <p14:creationId xmlns:p14="http://schemas.microsoft.com/office/powerpoint/2010/main" val="2506241621"/>
       </p:ext>
     </p:extLst>
   </p:cSld>
@@ -3752,39 +4408,39 @@
         <a:sysClr val="window" lastClr="FFFFFF"/>
       </a:lt1>
       <a:dk2>
-        <a:srgbClr val="0E2841"/>
+        <a:srgbClr val="44546A"/>
       </a:dk2>
       <a:lt2>
-        <a:srgbClr val="E8E8E8"/>
+        <a:srgbClr val="E7E6E6"/>
       </a:lt2>
       <a:accent1>
-        <a:srgbClr val="156082"/>
+        <a:srgbClr val="4472C4"/>
       </a:accent1>
       <a:accent2>
-        <a:srgbClr val="E97132"/>
+        <a:srgbClr val="ED7D31"/>
       </a:accent2>
       <a:accent3>
-        <a:srgbClr val="196B24"/>
+        <a:srgbClr val="A5A5A5"/>
       </a:accent3>
       <a:accent4>
-        <a:srgbClr val="0F9ED5"/>
+        <a:srgbClr val="FFC000"/>
       </a:accent4>
       <a:accent5>
-        <a:srgbClr val="A02B93"/>
+        <a:srgbClr val="5B9BD5"/>
       </a:accent5>
       <a:accent6>
-        <a:srgbClr val="4EA72E"/>
+        <a:srgbClr val="70AD47"/>
       </a:accent6>
       <a:hlink>
-        <a:srgbClr val="467886"/>
+        <a:srgbClr val="0563C1"/>
       </a:hlink>
       <a:folHlink>
-        <a:srgbClr val="96607D"/>
+        <a:srgbClr val="954F72"/>
       </a:folHlink>
     </a:clrScheme>
     <a:fontScheme name="Office">
       <a:majorFont>
-        <a:latin typeface="Aptos Display" panose="02110004020202020204"/>
+        <a:latin typeface="Calibri Light" panose="020F0302020204030204"/>
         <a:ea typeface=""/>
         <a:cs typeface=""/>
         <a:font script="Jpan" typeface="游ゴシック Light"/>
@@ -3836,7 +4492,7 @@
         <a:font script="Tfng" typeface="Ebrima"/>
       </a:majorFont>
       <a:minorFont>
-        <a:latin typeface="Aptos" panose="02110004020202020204"/>
+        <a:latin typeface="Calibri" panose="020F0502020204030204"/>
         <a:ea typeface=""/>
         <a:cs typeface=""/>
         <a:font script="Jpan" typeface="游ゴシック"/>
@@ -3947,6 +4603,13 @@
         </a:gradFill>
       </a:fillStyleLst>
       <a:lnStyleLst>
+        <a:ln w="6350" cap="flat" cmpd="sng" algn="ctr">
+          <a:solidFill>
+            <a:schemeClr val="phClr"/>
+          </a:solidFill>
+          <a:prstDash val="solid"/>
+          <a:miter lim="800000"/>
+        </a:ln>
         <a:ln w="12700" cap="flat" cmpd="sng" algn="ctr">
           <a:solidFill>
             <a:schemeClr val="phClr"/>
@@ -3955,13 +4618,6 @@
           <a:miter lim="800000"/>
         </a:ln>
         <a:ln w="19050" cap="flat" cmpd="sng" algn="ctr">
-          <a:solidFill>
-            <a:schemeClr val="phClr"/>
-          </a:solidFill>
-          <a:prstDash val="solid"/>
-          <a:miter lim="800000"/>
-        </a:ln>
-        <a:ln w="25400" cap="flat" cmpd="sng" algn="ctr">
           <a:solidFill>
             <a:schemeClr val="phClr"/>
           </a:solidFill>
@@ -4026,31 +4682,11 @@
       </a:bgFillStyleLst>
     </a:fmtScheme>
   </a:themeElements>
-  <a:objectDefaults>
-    <a:lnDef>
-      <a:spPr/>
-      <a:bodyPr/>
-      <a:lstStyle/>
-      <a:style>
-        <a:lnRef idx="2">
-          <a:schemeClr val="accent1"/>
-        </a:lnRef>
-        <a:fillRef idx="0">
-          <a:schemeClr val="accent1"/>
-        </a:fillRef>
-        <a:effectRef idx="1">
-          <a:schemeClr val="accent1"/>
-        </a:effectRef>
-        <a:fontRef idx="minor">
-          <a:schemeClr val="tx1"/>
-        </a:fontRef>
-      </a:style>
-    </a:lnDef>
-  </a:objectDefaults>
+  <a:objectDefaults/>
   <a:extraClrSchemeLst/>
   <a:extLst>
     <a:ext uri="{05A4C25C-085E-4340-85A3-A5531E510DB2}">
-      <thm15:themeFamily xmlns:thm15="http://schemas.microsoft.com/office/thememl/2012/main" name="Office Theme" id="{2E142A2C-CD16-42D6-873A-C26D2A0506FA}" vid="{1BDDFF52-6CD6-40A5-AB3C-68EB2F1E4D0A}"/>
+      <thm15:themeFamily xmlns:thm15="http://schemas.microsoft.com/office/thememl/2012/main" name="Office Theme" id="{62F939B6-93AF-4DB8-9C6B-D6C7DFDC589F}" vid="{4A3C46E8-61CC-4603-A589-7422A47A8E4A}"/>
     </a:ext>
   </a:extLst>
 </a:theme>
